--- a/presentation_slide_final.pptx
+++ b/presentation_slide_final.pptx
@@ -232,7 +232,7 @@
           <a:p>
             <a:fld id="{BB39C861-1101-4B3A-BEDE-322B352BD3D2}" type="datetimeFigureOut">
               <a:rPr kumimoji="1" lang="ja-JP" altLang="en-US" smtClean="0"/>
-              <a:t>2017/2/1</a:t>
+              <a:t>2017/2/3</a:t>
             </a:fld>
             <a:endParaRPr kumimoji="1" lang="ja-JP" altLang="en-US"/>
           </a:p>
@@ -588,7 +588,11 @@
           <a:p>
             <a:r>
               <a:rPr kumimoji="1" lang="ja-JP" altLang="en-US" dirty="0" smtClean="0"/>
-              <a:t>名前の巡</a:t>
+              <a:t>名前</a:t>
+            </a:r>
+            <a:r>
+              <a:rPr kumimoji="1" lang="ja-JP" altLang="en-US" dirty="0" smtClean="0"/>
+              <a:t>の順</a:t>
             </a:r>
             <a:endParaRPr kumimoji="1" lang="ja-JP" altLang="en-US" dirty="0"/>
           </a:p>
@@ -2300,7 +2304,7 @@
           <a:p>
             <a:fld id="{4C2FD539-D4B1-44EA-BB6B-D63097300640}" type="datetime1">
               <a:rPr kumimoji="1" lang="ja-JP" altLang="en-US" smtClean="0"/>
-              <a:t>2017/2/1</a:t>
+              <a:t>2017/2/3</a:t>
             </a:fld>
             <a:endParaRPr kumimoji="1" lang="ja-JP" altLang="en-US"/>
           </a:p>
@@ -2509,7 +2513,7 @@
           <a:p>
             <a:fld id="{BB146403-4B97-41D7-A8B6-E66EF6C6BD3E}" type="datetime1">
               <a:rPr kumimoji="1" lang="ja-JP" altLang="en-US" smtClean="0"/>
-              <a:t>2017/2/1</a:t>
+              <a:t>2017/2/3</a:t>
             </a:fld>
             <a:endParaRPr kumimoji="1" lang="ja-JP" altLang="en-US"/>
           </a:p>
@@ -2721,7 +2725,7 @@
           <a:p>
             <a:fld id="{6287255A-569C-49C5-8EEC-A62557E90FA8}" type="datetime1">
               <a:rPr kumimoji="1" lang="ja-JP" altLang="en-US" smtClean="0"/>
-              <a:t>2017/2/1</a:t>
+              <a:t>2017/2/3</a:t>
             </a:fld>
             <a:endParaRPr kumimoji="1" lang="ja-JP" altLang="en-US"/>
           </a:p>
@@ -2923,7 +2927,7 @@
           <a:p>
             <a:fld id="{4305A3F9-C7C1-403C-88BD-79E5D56EA188}" type="datetime1">
               <a:rPr kumimoji="1" lang="ja-JP" altLang="en-US" smtClean="0"/>
-              <a:t>2017/2/1</a:t>
+              <a:t>2017/2/3</a:t>
             </a:fld>
             <a:endParaRPr kumimoji="1" lang="ja-JP" altLang="en-US"/>
           </a:p>
@@ -3167,7 +3171,7 @@
           <a:p>
             <a:fld id="{BFB32F04-7351-4FDD-9E72-848D13BB8221}" type="datetime1">
               <a:rPr kumimoji="1" lang="ja-JP" altLang="en-US" smtClean="0"/>
-              <a:t>2017/2/1</a:t>
+              <a:t>2017/2/3</a:t>
             </a:fld>
             <a:endParaRPr kumimoji="1" lang="ja-JP" altLang="en-US"/>
           </a:p>
@@ -3463,7 +3467,7 @@
           <a:p>
             <a:fld id="{603FF5A9-4E1D-4B1D-B197-3468D4A78390}" type="datetime1">
               <a:rPr kumimoji="1" lang="ja-JP" altLang="en-US" smtClean="0"/>
-              <a:t>2017/2/1</a:t>
+              <a:t>2017/2/3</a:t>
             </a:fld>
             <a:endParaRPr kumimoji="1" lang="ja-JP" altLang="en-US"/>
           </a:p>
@@ -3894,7 +3898,7 @@
           <a:p>
             <a:fld id="{2BFBB4D5-6ADF-4B0F-9723-C43F2E09DC72}" type="datetime1">
               <a:rPr kumimoji="1" lang="ja-JP" altLang="en-US" smtClean="0"/>
-              <a:t>2017/2/1</a:t>
+              <a:t>2017/2/3</a:t>
             </a:fld>
             <a:endParaRPr kumimoji="1" lang="ja-JP" altLang="en-US"/>
           </a:p>
@@ -4012,7 +4016,7 @@
           <a:p>
             <a:fld id="{179DD849-C7A5-42C7-B556-376074735F09}" type="datetime1">
               <a:rPr kumimoji="1" lang="ja-JP" altLang="en-US" smtClean="0"/>
-              <a:t>2017/2/1</a:t>
+              <a:t>2017/2/3</a:t>
             </a:fld>
             <a:endParaRPr kumimoji="1" lang="ja-JP" altLang="en-US"/>
           </a:p>
@@ -4107,7 +4111,7 @@
           <a:p>
             <a:fld id="{0145B7EB-87C0-4669-8C93-2B04B7B07124}" type="datetime1">
               <a:rPr kumimoji="1" lang="ja-JP" altLang="en-US" smtClean="0"/>
-              <a:t>2017/2/1</a:t>
+              <a:t>2017/2/3</a:t>
             </a:fld>
             <a:endParaRPr kumimoji="1" lang="ja-JP" altLang="en-US"/>
           </a:p>
@@ -4416,7 +4420,7 @@
           <a:p>
             <a:fld id="{92DCF96C-E9EB-4FF2-BA9A-1254F84F9B2C}" type="datetime1">
               <a:rPr kumimoji="1" lang="ja-JP" altLang="en-US" smtClean="0"/>
-              <a:t>2017/2/1</a:t>
+              <a:t>2017/2/3</a:t>
             </a:fld>
             <a:endParaRPr kumimoji="1" lang="ja-JP" altLang="en-US"/>
           </a:p>
@@ -4673,7 +4677,7 @@
           <a:p>
             <a:fld id="{C2003FEA-32B8-4477-AB04-EB048FB7A908}" type="datetime1">
               <a:rPr kumimoji="1" lang="ja-JP" altLang="en-US" smtClean="0"/>
-              <a:t>2017/2/1</a:t>
+              <a:t>2017/2/3</a:t>
             </a:fld>
             <a:endParaRPr kumimoji="1" lang="ja-JP" altLang="en-US"/>
           </a:p>
@@ -4918,7 +4922,7 @@
           <a:p>
             <a:fld id="{0C3AFF54-947D-4C03-814E-58BEEDD2027A}" type="datetime1">
               <a:rPr kumimoji="1" lang="ja-JP" altLang="en-US" smtClean="0"/>
-              <a:t>2017/2/1</a:t>
+              <a:t>2017/2/3</a:t>
             </a:fld>
             <a:endParaRPr kumimoji="1" lang="ja-JP" altLang="en-US"/>
           </a:p>
@@ -5451,11 +5455,7 @@
             <a:pPr algn="r"/>
             <a:r>
               <a:rPr kumimoji="1" lang="ja-JP" altLang="en-US" sz="2000" dirty="0" smtClean="0"/>
-              <a:t>錦織 </a:t>
-            </a:r>
-            <a:r>
-              <a:rPr kumimoji="1" lang="ja-JP" altLang="en-US" sz="2000" dirty="0" smtClean="0"/>
-              <a:t>秀</a:t>
+              <a:t>錦織 秀</a:t>
             </a:r>
             <a:endParaRPr kumimoji="1" lang="ja-JP" altLang="en-US" sz="2000" dirty="0"/>
           </a:p>
@@ -5519,11 +5519,7 @@
             </a:r>
             <a:r>
               <a:rPr kumimoji="1" lang="ja-JP" altLang="en-US" dirty="0" smtClean="0"/>
-              <a:t>スライス</a:t>
-            </a:r>
-            <a:r>
-              <a:rPr kumimoji="1" lang="ja-JP" altLang="en-US" dirty="0" smtClean="0"/>
-              <a:t>形成</a:t>
+              <a:t>スライス形成</a:t>
             </a:r>
             <a:endParaRPr kumimoji="1" lang="ja-JP" altLang="en-US" dirty="0"/>
           </a:p>
@@ -5930,17 +5926,12 @@
             <a:p>
               <a:r>
                 <a:rPr lang="ja-JP" altLang="en-US" dirty="0" smtClean="0"/>
-                <a:t>ユーザ</a:t>
-              </a:r>
-              <a:r>
-                <a:rPr lang="ja-JP" altLang="en-US" dirty="0" smtClean="0"/>
-                <a:t>端末</a:t>
+                <a:t>ユーザ端末</a:t>
               </a:r>
               <a:r>
                 <a:rPr lang="en-US" altLang="ja-JP" dirty="0" smtClean="0"/>
                 <a:t>1</a:t>
               </a:r>
-              <a:endParaRPr lang="en-US" altLang="ja-JP" dirty="0" smtClean="0"/>
             </a:p>
           </p:txBody>
         </p:sp>
@@ -8778,11 +8769,7 @@
             </a:r>
             <a:r>
               <a:rPr lang="ja-JP" altLang="en-US" dirty="0" smtClean="0"/>
-              <a:t>排他</a:t>
-            </a:r>
-            <a:r>
-              <a:rPr lang="ja-JP" altLang="en-US" dirty="0" smtClean="0"/>
-              <a:t>処理</a:t>
+              <a:t>排他処理</a:t>
             </a:r>
             <a:endParaRPr kumimoji="1" lang="ja-JP" altLang="en-US" dirty="0"/>
           </a:p>
@@ -9169,17 +9156,12 @@
             <a:p>
               <a:r>
                 <a:rPr lang="ja-JP" altLang="en-US" dirty="0" smtClean="0"/>
-                <a:t>ユーザ</a:t>
-              </a:r>
-              <a:r>
-                <a:rPr lang="ja-JP" altLang="en-US" dirty="0" smtClean="0"/>
-                <a:t>端末</a:t>
+                <a:t>ユーザ端末</a:t>
               </a:r>
               <a:r>
                 <a:rPr lang="en-US" altLang="ja-JP" dirty="0" smtClean="0"/>
                 <a:t>1</a:t>
               </a:r>
-              <a:endParaRPr lang="en-US" altLang="ja-JP" dirty="0" smtClean="0"/>
             </a:p>
           </p:txBody>
         </p:sp>
@@ -12067,11 +12049,7 @@
             </a:r>
             <a:r>
               <a:rPr kumimoji="1" lang="ja-JP" altLang="en-US" dirty="0" smtClean="0"/>
-              <a:t>各端末</a:t>
-            </a:r>
-            <a:r>
-              <a:rPr kumimoji="1" lang="ja-JP" altLang="en-US" dirty="0" smtClean="0"/>
-              <a:t>の</a:t>
+              <a:t>各端末の</a:t>
             </a:r>
             <a:r>
               <a:rPr lang="ja-JP" altLang="en-US" dirty="0" smtClean="0"/>
@@ -12147,11 +12125,7 @@
             <a:pPr lvl="1"/>
             <a:r>
               <a:rPr lang="ja-JP" altLang="en-US" dirty="0" smtClean="0"/>
-              <a:t>割り当てられたコンテナ</a:t>
-            </a:r>
-            <a:r>
-              <a:rPr lang="ja-JP" altLang="en-US" dirty="0" smtClean="0"/>
-              <a:t>との間でのみ通信可能</a:t>
+              <a:t>割り当てられたコンテナとの間でのみ通信可能</a:t>
             </a:r>
             <a:endParaRPr lang="en-US" altLang="ja-JP" dirty="0" smtClean="0"/>
           </a:p>
@@ -12919,11 +12893,7 @@
             </a:r>
             <a:r>
               <a:rPr kumimoji="1" lang="ja-JP" altLang="en-US" dirty="0" smtClean="0"/>
-              <a:t>独自</a:t>
-            </a:r>
-            <a:r>
-              <a:rPr kumimoji="1" lang="ja-JP" altLang="en-US" dirty="0" smtClean="0"/>
-              <a:t>機能（故障スイッチ回避）</a:t>
+              <a:t>独自機能（故障スイッチ回避）</a:t>
             </a:r>
             <a:endParaRPr kumimoji="1" lang="ja-JP" altLang="en-US" dirty="0"/>
           </a:p>
@@ -12956,11 +12926,7 @@
           <a:p>
             <a:r>
               <a:rPr kumimoji="1" lang="ja-JP" altLang="en-US" dirty="0" smtClean="0"/>
-              <a:t>パフォーマンスの低下した</a:t>
-            </a:r>
-            <a:r>
-              <a:rPr kumimoji="1" lang="ja-JP" altLang="en-US" dirty="0" smtClean="0"/>
-              <a:t>スイッチ</a:t>
+              <a:t>パフォーマンスの低下したスイッチ</a:t>
             </a:r>
             <a:r>
               <a:rPr lang="ja-JP" altLang="en-US" dirty="0"/>
@@ -13124,18 +13090,14 @@
             </a:r>
             <a:r>
               <a:rPr kumimoji="1" lang="ja-JP" altLang="en-US" dirty="0" smtClean="0"/>
-              <a:t>コントローラ</a:t>
-            </a:r>
-            <a:r>
-              <a:rPr kumimoji="1" lang="ja-JP" altLang="en-US" dirty="0" smtClean="0"/>
-              <a:t>のスイッチ故障検知</a:t>
+              <a:t>コントローラのスイッチ故障検知</a:t>
             </a:r>
             <a:endParaRPr kumimoji="1" lang="ja-JP" altLang="en-US" dirty="0"/>
           </a:p>
         </p:txBody>
       </p:sp>
-      <mc:AlternateContent xmlns:mc="http://schemas.openxmlformats.org/markup-compatibility/2006">
-        <mc:Choice xmlns:a14="http://schemas.microsoft.com/office/drawing/2010/main" Requires="a14">
+      <mc:AlternateContent xmlns:mc="http://schemas.openxmlformats.org/markup-compatibility/2006" xmlns:a14="http://schemas.microsoft.com/office/drawing/2010/main">
+        <mc:Choice Requires="a14">
           <p:sp>
             <p:nvSpPr>
               <p:cNvPr id="3" name="コンテンツ プレースホルダー 2"/>
@@ -13191,11 +13153,7 @@
                 </a:r>
                 <a:r>
                   <a:rPr kumimoji="1" lang="ja-JP" altLang="en-US" dirty="0" smtClean="0"/>
-                  <a:t>を</a:t>
-                </a:r>
-                <a:r>
-                  <a:rPr kumimoji="1" lang="ja-JP" altLang="en-US" dirty="0" smtClean="0"/>
-                  <a:t>要求</a:t>
+                  <a:t>を要求</a:t>
                 </a:r>
                 <a:endParaRPr kumimoji="1" lang="en-US" altLang="ja-JP" dirty="0" smtClean="0"/>
               </a:p>
@@ -13205,15 +13163,7 @@
                 </a:pPr>
                 <a:r>
                   <a:rPr lang="ja-JP" altLang="en-US" dirty="0" smtClean="0"/>
-                  <a:t>受信</a:t>
-                </a:r>
-                <a:r>
-                  <a:rPr lang="ja-JP" altLang="en-US" dirty="0" smtClean="0"/>
-                  <a:t>パケット数</a:t>
-                </a:r>
-                <a:r>
-                  <a:rPr lang="ja-JP" altLang="en-US" dirty="0" smtClean="0"/>
-                  <a:t>：</a:t>
+                  <a:t>受信パケット数：</a:t>
                 </a:r>
                 <a14:m>
                   <m:oMath xmlns:m="http://schemas.openxmlformats.org/officeDocument/2006/math">
@@ -13256,11 +13206,7 @@
                 </a:r>
                 <a:r>
                   <a:rPr lang="ja-JP" altLang="en-US" dirty="0" smtClean="0"/>
-                  <a:t>パケット数</a:t>
-                </a:r>
-                <a:r>
-                  <a:rPr lang="ja-JP" altLang="en-US" dirty="0" smtClean="0"/>
-                  <a:t>：</a:t>
+                  <a:t>パケット数：</a:t>
                 </a:r>
                 <a14:m>
                   <m:oMath xmlns:m="http://schemas.openxmlformats.org/officeDocument/2006/math">
@@ -13304,15 +13250,7 @@
                 </a:r>
                 <a:r>
                   <a:rPr kumimoji="1" lang="ja-JP" altLang="en-US" dirty="0" smtClean="0"/>
-                  <a:t>ごとに以下</a:t>
-                </a:r>
-                <a:r>
-                  <a:rPr kumimoji="1" lang="ja-JP" altLang="en-US" dirty="0" smtClean="0"/>
-                  <a:t>の指標を</a:t>
-                </a:r>
-                <a:r>
-                  <a:rPr kumimoji="1" lang="ja-JP" altLang="en-US" dirty="0" smtClean="0"/>
-                  <a:t>計算</a:t>
+                  <a:t>ごとに以下の指標を計算</a:t>
                 </a:r>
                 <a:endParaRPr kumimoji="1" lang="en-US" altLang="ja-JP" dirty="0" smtClean="0"/>
               </a:p>
@@ -13926,7 +13864,7 @@
             </p:txBody>
           </p:sp>
         </mc:Choice>
-        <mc:Fallback>
+        <mc:Fallback xmlns="">
           <p:sp>
             <p:nvSpPr>
               <p:cNvPr id="3" name="コンテンツ プレースホルダー 2"/>
@@ -14218,21 +14156,21 @@
                     <a:gridCol w="1175118">
                       <a:extLst>
                         <a:ext uri="{9D8B030D-6E8A-4147-A177-3AD203B41FA5}">
-                          <a16:colId xmlns:a16="http://schemas.microsoft.com/office/drawing/2014/main" xmlns="" val="20000"/>
+                          <a16:colId xmlns:a16="http://schemas.microsoft.com/office/drawing/2014/main" val="20000"/>
                         </a:ext>
                       </a:extLst>
                     </a:gridCol>
                     <a:gridCol w="1175119">
                       <a:extLst>
                         <a:ext uri="{9D8B030D-6E8A-4147-A177-3AD203B41FA5}">
-                          <a16:colId xmlns:a16="http://schemas.microsoft.com/office/drawing/2014/main" xmlns="" val="20001"/>
+                          <a16:colId xmlns:a16="http://schemas.microsoft.com/office/drawing/2014/main" val="20001"/>
                         </a:ext>
                       </a:extLst>
                     </a:gridCol>
                     <a:gridCol w="2157594">
                       <a:extLst>
                         <a:ext uri="{9D8B030D-6E8A-4147-A177-3AD203B41FA5}">
-                          <a16:colId xmlns:a16="http://schemas.microsoft.com/office/drawing/2014/main" xmlns="" val="20002"/>
+                          <a16:colId xmlns:a16="http://schemas.microsoft.com/office/drawing/2014/main" val="20002"/>
                         </a:ext>
                       </a:extLst>
                     </a:gridCol>
@@ -14344,7 +14282,7 @@
                     </a:tc>
                     <a:extLst>
                       <a:ext uri="{0D108BD9-81ED-4DB2-BD59-A6C34878D82A}">
-                        <a16:rowId xmlns:a16="http://schemas.microsoft.com/office/drawing/2014/main" xmlns="" val="10000"/>
+                        <a16:rowId xmlns:a16="http://schemas.microsoft.com/office/drawing/2014/main" val="10000"/>
                       </a:ext>
                     </a:extLst>
                   </a:tr>
@@ -14478,7 +14416,7 @@
                     </a:tc>
                     <a:extLst>
                       <a:ext uri="{0D108BD9-81ED-4DB2-BD59-A6C34878D82A}">
-                        <a16:rowId xmlns:a16="http://schemas.microsoft.com/office/drawing/2014/main" xmlns="" val="10001"/>
+                        <a16:rowId xmlns:a16="http://schemas.microsoft.com/office/drawing/2014/main" val="10001"/>
                       </a:ext>
                     </a:extLst>
                   </a:tr>
@@ -14620,7 +14558,7 @@
                     </a:tc>
                     <a:extLst>
                       <a:ext uri="{0D108BD9-81ED-4DB2-BD59-A6C34878D82A}">
-                        <a16:rowId xmlns:a16="http://schemas.microsoft.com/office/drawing/2014/main" xmlns="" val="10002"/>
+                        <a16:rowId xmlns:a16="http://schemas.microsoft.com/office/drawing/2014/main" val="10002"/>
                       </a:ext>
                     </a:extLst>
                   </a:tr>
@@ -14762,7 +14700,7 @@
                     </a:tc>
                     <a:extLst>
                       <a:ext uri="{0D108BD9-81ED-4DB2-BD59-A6C34878D82A}">
-                        <a16:rowId xmlns:a16="http://schemas.microsoft.com/office/drawing/2014/main" xmlns="" val="10003"/>
+                        <a16:rowId xmlns:a16="http://schemas.microsoft.com/office/drawing/2014/main" val="10003"/>
                       </a:ext>
                     </a:extLst>
                   </a:tr>
@@ -14912,7 +14850,7 @@
                     </a:tc>
                     <a:extLst>
                       <a:ext uri="{0D108BD9-81ED-4DB2-BD59-A6C34878D82A}">
-                        <a16:rowId xmlns:a16="http://schemas.microsoft.com/office/drawing/2014/main" xmlns="" val="10004"/>
+                        <a16:rowId xmlns:a16="http://schemas.microsoft.com/office/drawing/2014/main" val="10004"/>
                       </a:ext>
                     </a:extLst>
                   </a:tr>
@@ -15494,11 +15432,7 @@
             </a:r>
             <a:r>
               <a:rPr lang="ja-JP" altLang="en-US" dirty="0" smtClean="0"/>
-              <a:t>具体的</a:t>
-            </a:r>
-            <a:r>
-              <a:rPr lang="ja-JP" altLang="en-US" dirty="0" smtClean="0"/>
-              <a:t>な実装</a:t>
+              <a:t>具体的な実装</a:t>
             </a:r>
             <a:endParaRPr kumimoji="1" lang="ja-JP" altLang="en-US" dirty="0"/>
           </a:p>
@@ -15531,11 +15465,7 @@
             <a:pPr lvl="1"/>
             <a:r>
               <a:rPr lang="ja-JP" altLang="en-US" dirty="0" smtClean="0"/>
-              <a:t>仮想マシンでリピータを作成</a:t>
-            </a:r>
-            <a:r>
-              <a:rPr lang="ja-JP" altLang="en-US" dirty="0" smtClean="0"/>
-              <a:t>して，</a:t>
+              <a:t>仮想マシンでリピータを作成して，</a:t>
             </a:r>
             <a:r>
               <a:rPr lang="en-US" altLang="ja-JP" dirty="0" smtClean="0"/>
@@ -15562,11 +15492,7 @@
             </a:r>
             <a:r>
               <a:rPr lang="ja-JP" altLang="en-US" dirty="0" smtClean="0"/>
-              <a:t>コマンドを使用</a:t>
-            </a:r>
-            <a:r>
-              <a:rPr lang="ja-JP" altLang="en-US" dirty="0" smtClean="0"/>
-              <a:t>して，</a:t>
+              <a:t>コマンドを使用して，</a:t>
             </a:r>
             <a:r>
               <a:rPr lang="en-US" altLang="ja-JP" dirty="0" smtClean="0"/>
@@ -15796,11 +15722,7 @@
             </a:r>
             <a:r>
               <a:rPr kumimoji="1" lang="ja-JP" altLang="en-US" dirty="0" smtClean="0"/>
-              <a:t>の</a:t>
-            </a:r>
-            <a:r>
-              <a:rPr kumimoji="1" lang="ja-JP" altLang="en-US" dirty="0" smtClean="0"/>
-              <a:t>機能</a:t>
+              <a:t>の機能</a:t>
             </a:r>
             <a:endParaRPr kumimoji="1" lang="en-US" altLang="ja-JP" dirty="0" smtClean="0"/>
           </a:p>
@@ -17382,17 +17304,12 @@
             <a:p>
               <a:r>
                 <a:rPr lang="ja-JP" altLang="en-US" dirty="0" smtClean="0"/>
-                <a:t>ユーザ</a:t>
-              </a:r>
-              <a:r>
-                <a:rPr lang="ja-JP" altLang="en-US" dirty="0" smtClean="0"/>
-                <a:t>端末</a:t>
+                <a:t>ユーザ端末</a:t>
               </a:r>
               <a:r>
                 <a:rPr lang="en-US" altLang="ja-JP" dirty="0" smtClean="0"/>
                 <a:t>1</a:t>
               </a:r>
-              <a:endParaRPr lang="en-US" altLang="ja-JP" dirty="0" smtClean="0"/>
             </a:p>
           </p:txBody>
         </p:sp>
@@ -20206,11 +20123,7 @@
             <a:pPr lvl="1"/>
             <a:r>
               <a:rPr lang="ja-JP" altLang="en-US" dirty="0" smtClean="0"/>
-              <a:t>他端末からはそのコンテナに</a:t>
-            </a:r>
-            <a:r>
-              <a:rPr lang="ja-JP" altLang="en-US" dirty="0" smtClean="0"/>
-              <a:t>アクセス</a:t>
+              <a:t>他端末からはそのコンテナにアクセス</a:t>
             </a:r>
             <a:r>
               <a:rPr lang="ja-JP" altLang="en-US" dirty="0"/>
@@ -21356,11 +21269,7 @@
             </a:r>
             <a:r>
               <a:rPr lang="ja-JP" altLang="en-US" dirty="0" smtClean="0"/>
-              <a:t>ユーザ</a:t>
-            </a:r>
-            <a:r>
-              <a:rPr lang="ja-JP" altLang="en-US" dirty="0" smtClean="0"/>
-              <a:t>のコンテナ立ち上げ要求</a:t>
+              <a:t>ユーザのコンテナ立ち上げ要求</a:t>
             </a:r>
             <a:endParaRPr kumimoji="1" lang="ja-JP" altLang="en-US" dirty="0"/>
           </a:p>
@@ -21633,17 +21542,12 @@
             <a:p>
               <a:r>
                 <a:rPr lang="ja-JP" altLang="en-US" dirty="0" smtClean="0"/>
-                <a:t>ユーザ</a:t>
-              </a:r>
-              <a:r>
-                <a:rPr lang="ja-JP" altLang="en-US" dirty="0" smtClean="0"/>
-                <a:t>端末</a:t>
+                <a:t>ユーザ端末</a:t>
               </a:r>
               <a:r>
                 <a:rPr lang="en-US" altLang="ja-JP" dirty="0" smtClean="0"/>
                 <a:t>1</a:t>
               </a:r>
-              <a:endParaRPr lang="en-US" altLang="ja-JP" dirty="0" smtClean="0"/>
             </a:p>
           </p:txBody>
         </p:sp>
@@ -24575,17 +24479,12 @@
             <a:p>
               <a:r>
                 <a:rPr lang="ja-JP" altLang="en-US" dirty="0" smtClean="0"/>
-                <a:t>ユーザ</a:t>
-              </a:r>
-              <a:r>
-                <a:rPr lang="ja-JP" altLang="en-US" dirty="0" smtClean="0"/>
-                <a:t>端末</a:t>
+                <a:t>ユーザ端末</a:t>
               </a:r>
               <a:r>
                 <a:rPr lang="en-US" altLang="ja-JP" dirty="0" smtClean="0"/>
                 <a:t>1</a:t>
               </a:r>
-              <a:endParaRPr lang="en-US" altLang="ja-JP" dirty="0" smtClean="0"/>
             </a:p>
           </p:txBody>
         </p:sp>
@@ -27508,17 +27407,12 @@
             <a:p>
               <a:r>
                 <a:rPr lang="ja-JP" altLang="en-US" dirty="0" smtClean="0"/>
-                <a:t>ユーザ</a:t>
-              </a:r>
-              <a:r>
-                <a:rPr lang="ja-JP" altLang="en-US" dirty="0" smtClean="0"/>
-                <a:t>端末</a:t>
+                <a:t>ユーザ端末</a:t>
               </a:r>
               <a:r>
                 <a:rPr lang="en-US" altLang="ja-JP" dirty="0" smtClean="0"/>
                 <a:t>1</a:t>
               </a:r>
-              <a:endParaRPr lang="en-US" altLang="ja-JP" dirty="0" smtClean="0"/>
             </a:p>
           </p:txBody>
         </p:sp>
@@ -30437,17 +30331,12 @@
             <a:p>
               <a:r>
                 <a:rPr lang="ja-JP" altLang="en-US" dirty="0" smtClean="0"/>
-                <a:t>ユーザ</a:t>
-              </a:r>
-              <a:r>
-                <a:rPr lang="ja-JP" altLang="en-US" dirty="0" smtClean="0"/>
-                <a:t>端末</a:t>
+                <a:t>ユーザ端末</a:t>
               </a:r>
               <a:r>
                 <a:rPr lang="en-US" altLang="ja-JP" dirty="0" smtClean="0"/>
                 <a:t>1</a:t>
               </a:r>
-              <a:endParaRPr lang="en-US" altLang="ja-JP" dirty="0" smtClean="0"/>
             </a:p>
           </p:txBody>
         </p:sp>
